--- a/Final presentation.pptx
+++ b/Final presentation.pptx
@@ -6057,8 +6057,8 @@
                 <a:buChar char="•"/>
               </a:pPr>
               <a:r>
-                <a:rPr lang="en-US" dirty="0" err="1"/>
-                <a:t>succsessfull</a:t>
+                <a:rPr lang="en-US"/>
+                <a:t>succsessful</a:t>
               </a:r>
               <a:r>
                 <a:rPr lang="en-US" dirty="0"/>
@@ -7831,7 +7831,7 @@
             <a:pPr algn="ctr"/>
             <a:r>
               <a:rPr lang="en-US" dirty="0"/>
-              <a:t>97,6 %</a:t>
+              <a:t>97,25 %</a:t>
             </a:r>
           </a:p>
           <a:p>
